--- a/graduation_thesis/figures/c4/c4p2.pptx
+++ b/graduation_thesis/figures/c4/c4p2.pptx
@@ -262,7 +262,7 @@
           <a:p>
             <a:fld id="{648283BF-D07E-4268-AD41-E2A23B7C6AA4}" type="datetimeFigureOut">
               <a:rPr lang="zh-CN" altLang="en-US" smtClean="0"/>
-              <a:t>2020/4/7</a:t>
+              <a:t>2020/5/12</a:t>
             </a:fld>
             <a:endParaRPr lang="zh-CN" altLang="en-US"/>
           </a:p>
@@ -460,7 +460,7 @@
           <a:p>
             <a:fld id="{648283BF-D07E-4268-AD41-E2A23B7C6AA4}" type="datetimeFigureOut">
               <a:rPr lang="zh-CN" altLang="en-US" smtClean="0"/>
-              <a:t>2020/4/7</a:t>
+              <a:t>2020/5/12</a:t>
             </a:fld>
             <a:endParaRPr lang="zh-CN" altLang="en-US"/>
           </a:p>
@@ -668,7 +668,7 @@
           <a:p>
             <a:fld id="{648283BF-D07E-4268-AD41-E2A23B7C6AA4}" type="datetimeFigureOut">
               <a:rPr lang="zh-CN" altLang="en-US" smtClean="0"/>
-              <a:t>2020/4/7</a:t>
+              <a:t>2020/5/12</a:t>
             </a:fld>
             <a:endParaRPr lang="zh-CN" altLang="en-US"/>
           </a:p>
@@ -866,7 +866,7 @@
           <a:p>
             <a:fld id="{648283BF-D07E-4268-AD41-E2A23B7C6AA4}" type="datetimeFigureOut">
               <a:rPr lang="zh-CN" altLang="en-US" smtClean="0"/>
-              <a:t>2020/4/7</a:t>
+              <a:t>2020/5/12</a:t>
             </a:fld>
             <a:endParaRPr lang="zh-CN" altLang="en-US"/>
           </a:p>
@@ -1141,7 +1141,7 @@
           <a:p>
             <a:fld id="{648283BF-D07E-4268-AD41-E2A23B7C6AA4}" type="datetimeFigureOut">
               <a:rPr lang="zh-CN" altLang="en-US" smtClean="0"/>
-              <a:t>2020/4/7</a:t>
+              <a:t>2020/5/12</a:t>
             </a:fld>
             <a:endParaRPr lang="zh-CN" altLang="en-US"/>
           </a:p>
@@ -1406,7 +1406,7 @@
           <a:p>
             <a:fld id="{648283BF-D07E-4268-AD41-E2A23B7C6AA4}" type="datetimeFigureOut">
               <a:rPr lang="zh-CN" altLang="en-US" smtClean="0"/>
-              <a:t>2020/4/7</a:t>
+              <a:t>2020/5/12</a:t>
             </a:fld>
             <a:endParaRPr lang="zh-CN" altLang="en-US"/>
           </a:p>
@@ -1818,7 +1818,7 @@
           <a:p>
             <a:fld id="{648283BF-D07E-4268-AD41-E2A23B7C6AA4}" type="datetimeFigureOut">
               <a:rPr lang="zh-CN" altLang="en-US" smtClean="0"/>
-              <a:t>2020/4/7</a:t>
+              <a:t>2020/5/12</a:t>
             </a:fld>
             <a:endParaRPr lang="zh-CN" altLang="en-US"/>
           </a:p>
@@ -1959,7 +1959,7 @@
           <a:p>
             <a:fld id="{648283BF-D07E-4268-AD41-E2A23B7C6AA4}" type="datetimeFigureOut">
               <a:rPr lang="zh-CN" altLang="en-US" smtClean="0"/>
-              <a:t>2020/4/7</a:t>
+              <a:t>2020/5/12</a:t>
             </a:fld>
             <a:endParaRPr lang="zh-CN" altLang="en-US"/>
           </a:p>
@@ -2072,7 +2072,7 @@
           <a:p>
             <a:fld id="{648283BF-D07E-4268-AD41-E2A23B7C6AA4}" type="datetimeFigureOut">
               <a:rPr lang="zh-CN" altLang="en-US" smtClean="0"/>
-              <a:t>2020/4/7</a:t>
+              <a:t>2020/5/12</a:t>
             </a:fld>
             <a:endParaRPr lang="zh-CN" altLang="en-US"/>
           </a:p>
@@ -2383,7 +2383,7 @@
           <a:p>
             <a:fld id="{648283BF-D07E-4268-AD41-E2A23B7C6AA4}" type="datetimeFigureOut">
               <a:rPr lang="zh-CN" altLang="en-US" smtClean="0"/>
-              <a:t>2020/4/7</a:t>
+              <a:t>2020/5/12</a:t>
             </a:fld>
             <a:endParaRPr lang="zh-CN" altLang="en-US"/>
           </a:p>
@@ -2671,7 +2671,7 @@
           <a:p>
             <a:fld id="{648283BF-D07E-4268-AD41-E2A23B7C6AA4}" type="datetimeFigureOut">
               <a:rPr lang="zh-CN" altLang="en-US" smtClean="0"/>
-              <a:t>2020/4/7</a:t>
+              <a:t>2020/5/12</a:t>
             </a:fld>
             <a:endParaRPr lang="zh-CN" altLang="en-US"/>
           </a:p>
@@ -2912,7 +2912,7 @@
           <a:p>
             <a:fld id="{648283BF-D07E-4268-AD41-E2A23B7C6AA4}" type="datetimeFigureOut">
               <a:rPr lang="zh-CN" altLang="en-US" smtClean="0"/>
-              <a:t>2020/4/7</a:t>
+              <a:t>2020/5/12</a:t>
             </a:fld>
             <a:endParaRPr lang="zh-CN" altLang="en-US"/>
           </a:p>
@@ -9371,6 +9371,1388 @@
           <a:chExt cx="0" cy="0"/>
         </a:xfrm>
       </p:grpSpPr>
+      <p:sp>
+        <p:nvSpPr>
+          <p:cNvPr id="74" name="矩形 73">
+            <a:extLst>
+              <a:ext uri="{FF2B5EF4-FFF2-40B4-BE49-F238E27FC236}">
+                <a16:creationId xmlns:a16="http://schemas.microsoft.com/office/drawing/2014/main" id="{F88AFCFB-5D75-489A-98E5-D355357B8BAC}"/>
+              </a:ext>
+            </a:extLst>
+          </p:cNvPr>
+          <p:cNvSpPr/>
+          <p:nvPr/>
+        </p:nvSpPr>
+        <p:spPr>
+          <a:xfrm>
+            <a:off x="2313825" y="1218759"/>
+            <a:ext cx="2636821" cy="3477502"/>
+          </a:xfrm>
+          <a:prstGeom prst="rect">
+            <a:avLst/>
+          </a:prstGeom>
+          <a:noFill/>
+          <a:ln>
+            <a:solidFill>
+              <a:schemeClr val="tx1"/>
+            </a:solidFill>
+            <a:prstDash val="dash"/>
+          </a:ln>
+        </p:spPr>
+        <p:style>
+          <a:lnRef idx="2">
+            <a:schemeClr val="accent1">
+              <a:shade val="50000"/>
+            </a:schemeClr>
+          </a:lnRef>
+          <a:fillRef idx="1">
+            <a:schemeClr val="accent1"/>
+          </a:fillRef>
+          <a:effectRef idx="0">
+            <a:schemeClr val="accent1"/>
+          </a:effectRef>
+          <a:fontRef idx="minor">
+            <a:schemeClr val="lt1"/>
+          </a:fontRef>
+        </p:style>
+        <p:txBody>
+          <a:bodyPr rtlCol="0" anchor="ctr"/>
+          <a:lstStyle/>
+          <a:p>
+            <a:pPr algn="ctr"/>
+            <a:endParaRPr lang="zh-CN" altLang="en-US"/>
+          </a:p>
+        </p:txBody>
+      </p:sp>
+      <p:pic>
+        <p:nvPicPr>
+          <p:cNvPr id="48" name="图片 47" descr="图片包含 游戏机&#10;&#10;描述已自动生成">
+            <a:extLst>
+              <a:ext uri="{FF2B5EF4-FFF2-40B4-BE49-F238E27FC236}">
+                <a16:creationId xmlns:a16="http://schemas.microsoft.com/office/drawing/2014/main" id="{CDD0BEBC-0F3C-4F73-AC99-90DCB9962C1C}"/>
+              </a:ext>
+            </a:extLst>
+          </p:cNvPr>
+          <p:cNvPicPr>
+            <a:picLocks noChangeAspect="1"/>
+          </p:cNvPicPr>
+          <p:nvPr/>
+        </p:nvPicPr>
+        <p:blipFill>
+          <a:blip r:embed="rId2">
+            <a:extLst>
+              <a:ext uri="{28A0092B-C50C-407E-A947-70E740481C1C}">
+                <a14:useLocalDpi xmlns:a14="http://schemas.microsoft.com/office/drawing/2010/main" val="0"/>
+              </a:ext>
+            </a:extLst>
+          </a:blip>
+          <a:stretch>
+            <a:fillRect/>
+          </a:stretch>
+        </p:blipFill>
+        <p:spPr>
+          <a:xfrm>
+            <a:off x="7830581" y="3084567"/>
+            <a:ext cx="746982" cy="746982"/>
+          </a:xfrm>
+          <a:prstGeom prst="rect">
+            <a:avLst/>
+          </a:prstGeom>
+          <a:ln>
+            <a:noFill/>
+          </a:ln>
+          <a:effectLst>
+            <a:outerShdw blurRad="292100" dist="139700" dir="2700000" algn="tl" rotWithShape="0">
+              <a:srgbClr val="333333">
+                <a:alpha val="65000"/>
+              </a:srgbClr>
+            </a:outerShdw>
+          </a:effectLst>
+        </p:spPr>
+      </p:pic>
+      <p:pic>
+        <p:nvPicPr>
+          <p:cNvPr id="49" name="图片 48" descr="图片包含 游戏机, 电子, 电路&#10;&#10;描述已自动生成">
+            <a:extLst>
+              <a:ext uri="{FF2B5EF4-FFF2-40B4-BE49-F238E27FC236}">
+                <a16:creationId xmlns:a16="http://schemas.microsoft.com/office/drawing/2014/main" id="{A7E0E95B-366A-4871-BB34-A0ADFDA9715B}"/>
+              </a:ext>
+            </a:extLst>
+          </p:cNvPr>
+          <p:cNvPicPr>
+            <a:picLocks noChangeAspect="1"/>
+          </p:cNvPicPr>
+          <p:nvPr/>
+        </p:nvPicPr>
+        <p:blipFill>
+          <a:blip r:embed="rId3">
+            <a:extLst>
+              <a:ext uri="{28A0092B-C50C-407E-A947-70E740481C1C}">
+                <a14:useLocalDpi xmlns:a14="http://schemas.microsoft.com/office/drawing/2010/main" val="0"/>
+              </a:ext>
+            </a:extLst>
+          </a:blip>
+          <a:stretch>
+            <a:fillRect/>
+          </a:stretch>
+        </p:blipFill>
+        <p:spPr>
+          <a:xfrm>
+            <a:off x="7759656" y="2136368"/>
+            <a:ext cx="831559" cy="678413"/>
+          </a:xfrm>
+          <a:prstGeom prst="roundRect">
+            <a:avLst>
+              <a:gd name="adj" fmla="val 8594"/>
+            </a:avLst>
+          </a:prstGeom>
+          <a:solidFill>
+            <a:srgbClr val="FFFFFF">
+              <a:shade val="85000"/>
+            </a:srgbClr>
+          </a:solidFill>
+          <a:ln>
+            <a:noFill/>
+          </a:ln>
+          <a:effectLst>
+            <a:reflection blurRad="12700" stA="38000" endPos="28000" dist="5000" dir="5400000" sy="-100000" algn="bl" rotWithShape="0"/>
+          </a:effectLst>
+        </p:spPr>
+      </p:pic>
+      <p:cxnSp>
+        <p:nvCxnSpPr>
+          <p:cNvPr id="53" name="直接箭头连接符 52">
+            <a:extLst>
+              <a:ext uri="{FF2B5EF4-FFF2-40B4-BE49-F238E27FC236}">
+                <a16:creationId xmlns:a16="http://schemas.microsoft.com/office/drawing/2014/main" id="{DE4A9739-56AF-446E-BB0E-0BA78C15B730}"/>
+              </a:ext>
+            </a:extLst>
+          </p:cNvPr>
+          <p:cNvCxnSpPr>
+            <a:cxnSpLocks/>
+            <a:endCxn id="49" idx="2"/>
+          </p:cNvCxnSpPr>
+          <p:nvPr/>
+        </p:nvCxnSpPr>
+        <p:spPr>
+          <a:xfrm flipV="1">
+            <a:off x="8175435" y="2814781"/>
+            <a:ext cx="1" cy="379377"/>
+          </a:xfrm>
+          <a:prstGeom prst="straightConnector1">
+            <a:avLst/>
+          </a:prstGeom>
+          <a:ln w="12700">
+            <a:solidFill>
+              <a:schemeClr val="tx1"/>
+            </a:solidFill>
+            <a:tailEnd type="triangle"/>
+          </a:ln>
+        </p:spPr>
+        <p:style>
+          <a:lnRef idx="1">
+            <a:schemeClr val="accent1"/>
+          </a:lnRef>
+          <a:fillRef idx="0">
+            <a:schemeClr val="accent1"/>
+          </a:fillRef>
+          <a:effectRef idx="0">
+            <a:schemeClr val="accent1"/>
+          </a:effectRef>
+          <a:fontRef idx="minor">
+            <a:schemeClr val="tx1"/>
+          </a:fontRef>
+        </p:style>
+      </p:cxnSp>
+      <p:pic>
+        <p:nvPicPr>
+          <p:cNvPr id="35" name="图片 34">
+            <a:extLst>
+              <a:ext uri="{FF2B5EF4-FFF2-40B4-BE49-F238E27FC236}">
+                <a16:creationId xmlns:a16="http://schemas.microsoft.com/office/drawing/2014/main" id="{8C2EC3B0-2002-43AE-8158-027EC68A4F2D}"/>
+              </a:ext>
+            </a:extLst>
+          </p:cNvPr>
+          <p:cNvPicPr>
+            <a:picLocks noChangeAspect="1"/>
+          </p:cNvPicPr>
+          <p:nvPr/>
+        </p:nvPicPr>
+        <p:blipFill rotWithShape="1">
+          <a:blip r:embed="rId4" cstate="print">
+            <a:extLst>
+              <a:ext uri="{28A0092B-C50C-407E-A947-70E740481C1C}">
+                <a14:useLocalDpi xmlns:a14="http://schemas.microsoft.com/office/drawing/2010/main" val="0"/>
+              </a:ext>
+            </a:extLst>
+          </a:blip>
+          <a:srcRect/>
+          <a:stretch/>
+        </p:blipFill>
+        <p:spPr>
+          <a:xfrm>
+            <a:off x="5153312" y="4784908"/>
+            <a:ext cx="1612923" cy="1041674"/>
+          </a:xfrm>
+          <a:prstGeom prst="rect">
+            <a:avLst/>
+          </a:prstGeom>
+          <a:ln>
+            <a:noFill/>
+          </a:ln>
+          <a:effectLst>
+            <a:outerShdw blurRad="292100" dist="139700" dir="2700000" algn="tl" rotWithShape="0">
+              <a:srgbClr val="333333">
+                <a:alpha val="65000"/>
+              </a:srgbClr>
+            </a:outerShdw>
+          </a:effectLst>
+        </p:spPr>
+      </p:pic>
+      <p:pic>
+        <p:nvPicPr>
+          <p:cNvPr id="7" name="图片 6">
+            <a:extLst>
+              <a:ext uri="{FF2B5EF4-FFF2-40B4-BE49-F238E27FC236}">
+                <a16:creationId xmlns:a16="http://schemas.microsoft.com/office/drawing/2014/main" id="{C16CD451-9D25-4742-80A3-383C2D40DA24}"/>
+              </a:ext>
+            </a:extLst>
+          </p:cNvPr>
+          <p:cNvPicPr>
+            <a:picLocks noChangeAspect="1"/>
+          </p:cNvPicPr>
+          <p:nvPr/>
+        </p:nvPicPr>
+        <p:blipFill rotWithShape="1">
+          <a:blip r:embed="rId5" cstate="print">
+            <a:extLst>
+              <a:ext uri="{BEBA8EAE-BF5A-486C-A8C5-ECC9F3942E4B}">
+                <a14:imgProps xmlns:a14="http://schemas.microsoft.com/office/drawing/2010/main">
+                  <a14:imgLayer r:embed="rId6">
+                    <a14:imgEffect>
+                      <a14:brightnessContrast bright="20000" contrast="40000"/>
+                    </a14:imgEffect>
+                  </a14:imgLayer>
+                </a14:imgProps>
+              </a:ext>
+              <a:ext uri="{28A0092B-C50C-407E-A947-70E740481C1C}">
+                <a14:useLocalDpi xmlns:a14="http://schemas.microsoft.com/office/drawing/2010/main" val="0"/>
+              </a:ext>
+            </a:extLst>
+          </a:blip>
+          <a:srcRect/>
+          <a:stretch/>
+        </p:blipFill>
+        <p:spPr>
+          <a:xfrm>
+            <a:off x="4397181" y="1335871"/>
+            <a:ext cx="519743" cy="1300891"/>
+          </a:xfrm>
+          <a:prstGeom prst="roundRect">
+            <a:avLst>
+              <a:gd name="adj" fmla="val 8594"/>
+            </a:avLst>
+          </a:prstGeom>
+          <a:solidFill>
+            <a:srgbClr val="FFFFFF">
+              <a:shade val="85000"/>
+            </a:srgbClr>
+          </a:solidFill>
+          <a:ln>
+            <a:noFill/>
+          </a:ln>
+          <a:effectLst>
+            <a:reflection blurRad="12700" stA="38000" endPos="28000" dist="5000" dir="5400000" sy="-100000" algn="bl" rotWithShape="0"/>
+          </a:effectLst>
+        </p:spPr>
+      </p:pic>
+      <p:pic>
+        <p:nvPicPr>
+          <p:cNvPr id="14" name="图片 13">
+            <a:extLst>
+              <a:ext uri="{FF2B5EF4-FFF2-40B4-BE49-F238E27FC236}">
+                <a16:creationId xmlns:a16="http://schemas.microsoft.com/office/drawing/2014/main" id="{080B76B8-469F-43BC-B517-B582EC873EBD}"/>
+              </a:ext>
+            </a:extLst>
+          </p:cNvPr>
+          <p:cNvPicPr>
+            <a:picLocks noChangeAspect="1"/>
+          </p:cNvPicPr>
+          <p:nvPr/>
+        </p:nvPicPr>
+        <p:blipFill rotWithShape="1">
+          <a:blip r:embed="rId7" cstate="print">
+            <a:extLst>
+              <a:ext uri="{BEBA8EAE-BF5A-486C-A8C5-ECC9F3942E4B}">
+                <a14:imgProps xmlns:a14="http://schemas.microsoft.com/office/drawing/2010/main">
+                  <a14:imgLayer r:embed="rId8">
+                    <a14:imgEffect>
+                      <a14:sharpenSoften amount="50000"/>
+                    </a14:imgEffect>
+                  </a14:imgLayer>
+                </a14:imgProps>
+              </a:ext>
+              <a:ext uri="{28A0092B-C50C-407E-A947-70E740481C1C}">
+                <a14:useLocalDpi xmlns:a14="http://schemas.microsoft.com/office/drawing/2010/main" val="0"/>
+              </a:ext>
+            </a:extLst>
+          </a:blip>
+          <a:srcRect b="-3323"/>
+          <a:stretch/>
+        </p:blipFill>
+        <p:spPr>
+          <a:xfrm>
+            <a:off x="5171229" y="3121255"/>
+            <a:ext cx="1577090" cy="1311501"/>
+          </a:xfrm>
+          <a:prstGeom prst="rect">
+            <a:avLst/>
+          </a:prstGeom>
+          <a:ln>
+            <a:noFill/>
+          </a:ln>
+          <a:effectLst>
+            <a:outerShdw blurRad="292100" dist="139700" dir="2700000" algn="tl" rotWithShape="0">
+              <a:srgbClr val="333333">
+                <a:alpha val="65000"/>
+              </a:srgbClr>
+            </a:outerShdw>
+          </a:effectLst>
+        </p:spPr>
+      </p:pic>
+      <p:cxnSp>
+        <p:nvCxnSpPr>
+          <p:cNvPr id="16" name="直接箭头连接符 15">
+            <a:extLst>
+              <a:ext uri="{FF2B5EF4-FFF2-40B4-BE49-F238E27FC236}">
+                <a16:creationId xmlns:a16="http://schemas.microsoft.com/office/drawing/2014/main" id="{36C7096C-5D66-44C2-B414-24750150D6E4}"/>
+              </a:ext>
+            </a:extLst>
+          </p:cNvPr>
+          <p:cNvCxnSpPr>
+            <a:cxnSpLocks/>
+            <a:stCxn id="50" idx="2"/>
+            <a:endCxn id="14" idx="3"/>
+          </p:cNvCxnSpPr>
+          <p:nvPr/>
+        </p:nvCxnSpPr>
+        <p:spPr>
+          <a:xfrm flipH="1" flipV="1">
+            <a:off x="6748319" y="3777006"/>
+            <a:ext cx="2422308" cy="2603"/>
+          </a:xfrm>
+          <a:prstGeom prst="straightConnector1">
+            <a:avLst/>
+          </a:prstGeom>
+          <a:ln w="12700">
+            <a:solidFill>
+              <a:schemeClr val="tx1"/>
+            </a:solidFill>
+            <a:tailEnd type="triangle"/>
+          </a:ln>
+        </p:spPr>
+        <p:style>
+          <a:lnRef idx="1">
+            <a:schemeClr val="accent1"/>
+          </a:lnRef>
+          <a:fillRef idx="0">
+            <a:schemeClr val="accent1"/>
+          </a:fillRef>
+          <a:effectRef idx="0">
+            <a:schemeClr val="accent1"/>
+          </a:effectRef>
+          <a:fontRef idx="minor">
+            <a:schemeClr val="tx1"/>
+          </a:fontRef>
+        </p:style>
+      </p:cxnSp>
+      <p:sp>
+        <p:nvSpPr>
+          <p:cNvPr id="18" name="文本框 17">
+            <a:extLst>
+              <a:ext uri="{FF2B5EF4-FFF2-40B4-BE49-F238E27FC236}">
+                <a16:creationId xmlns:a16="http://schemas.microsoft.com/office/drawing/2014/main" id="{461083A5-BE53-484F-8A0F-6654491F9703}"/>
+              </a:ext>
+            </a:extLst>
+          </p:cNvPr>
+          <p:cNvSpPr txBox="1"/>
+          <p:nvPr/>
+        </p:nvSpPr>
+        <p:spPr>
+          <a:xfrm>
+            <a:off x="5473511" y="1350018"/>
+            <a:ext cx="1200558" cy="369332"/>
+          </a:xfrm>
+          <a:prstGeom prst="rect">
+            <a:avLst/>
+          </a:prstGeom>
+          <a:noFill/>
+        </p:spPr>
+        <p:txBody>
+          <a:bodyPr wrap="square" rtlCol="0">
+            <a:spAutoFit/>
+          </a:bodyPr>
+          <a:lstStyle/>
+          <a:p>
+            <a:r>
+              <a:rPr lang="en-US" altLang="zh-CN" dirty="0">
+                <a:latin typeface="Times New Roman" panose="02020603050405020304" pitchFamily="18" charset="0"/>
+                <a:cs typeface="Times New Roman" panose="02020603050405020304" pitchFamily="18" charset="0"/>
+              </a:rPr>
+              <a:t>Mavlink</a:t>
+            </a:r>
+            <a:endParaRPr lang="zh-CN" altLang="en-US" dirty="0">
+              <a:latin typeface="Times New Roman" panose="02020603050405020304" pitchFamily="18" charset="0"/>
+              <a:cs typeface="Times New Roman" panose="02020603050405020304" pitchFamily="18" charset="0"/>
+            </a:endParaRPr>
+          </a:p>
+        </p:txBody>
+      </p:sp>
+      <p:sp>
+        <p:nvSpPr>
+          <p:cNvPr id="19" name="文本框 18">
+            <a:extLst>
+              <a:ext uri="{FF2B5EF4-FFF2-40B4-BE49-F238E27FC236}">
+                <a16:creationId xmlns:a16="http://schemas.microsoft.com/office/drawing/2014/main" id="{204D4B0E-F81A-40A4-B6E0-698DF37E1AB6}"/>
+              </a:ext>
+            </a:extLst>
+          </p:cNvPr>
+          <p:cNvSpPr txBox="1"/>
+          <p:nvPr/>
+        </p:nvSpPr>
+        <p:spPr>
+          <a:xfrm>
+            <a:off x="6948254" y="3382718"/>
+            <a:ext cx="1200558" cy="369332"/>
+          </a:xfrm>
+          <a:prstGeom prst="rect">
+            <a:avLst/>
+          </a:prstGeom>
+          <a:noFill/>
+        </p:spPr>
+        <p:txBody>
+          <a:bodyPr wrap="square" rtlCol="0">
+            <a:spAutoFit/>
+          </a:bodyPr>
+          <a:lstStyle/>
+          <a:p>
+            <a:r>
+              <a:rPr lang="en-US" altLang="zh-CN" dirty="0">
+                <a:latin typeface="Times New Roman" panose="02020603050405020304" pitchFamily="18" charset="0"/>
+                <a:cs typeface="Times New Roman" panose="02020603050405020304" pitchFamily="18" charset="0"/>
+              </a:rPr>
+              <a:t>Mavlink</a:t>
+            </a:r>
+            <a:endParaRPr lang="zh-CN" altLang="en-US" dirty="0">
+              <a:latin typeface="Times New Roman" panose="02020603050405020304" pitchFamily="18" charset="0"/>
+              <a:cs typeface="Times New Roman" panose="02020603050405020304" pitchFamily="18" charset="0"/>
+            </a:endParaRPr>
+          </a:p>
+        </p:txBody>
+      </p:sp>
+      <p:sp>
+        <p:nvSpPr>
+          <p:cNvPr id="20" name="文本框 19">
+            <a:extLst>
+              <a:ext uri="{FF2B5EF4-FFF2-40B4-BE49-F238E27FC236}">
+                <a16:creationId xmlns:a16="http://schemas.microsoft.com/office/drawing/2014/main" id="{6F6CFCBD-DE23-48FC-A10F-729EA4B93DE7}"/>
+              </a:ext>
+            </a:extLst>
+          </p:cNvPr>
+          <p:cNvSpPr txBox="1"/>
+          <p:nvPr/>
+        </p:nvSpPr>
+        <p:spPr>
+          <a:xfrm>
+            <a:off x="4267563" y="3379392"/>
+            <a:ext cx="1200558" cy="369332"/>
+          </a:xfrm>
+          <a:prstGeom prst="rect">
+            <a:avLst/>
+          </a:prstGeom>
+          <a:noFill/>
+        </p:spPr>
+        <p:txBody>
+          <a:bodyPr wrap="square" rtlCol="0">
+            <a:spAutoFit/>
+          </a:bodyPr>
+          <a:lstStyle/>
+          <a:p>
+            <a:r>
+              <a:rPr lang="en-US" altLang="zh-CN" dirty="0">
+                <a:latin typeface="Times New Roman" panose="02020603050405020304" pitchFamily="18" charset="0"/>
+                <a:cs typeface="Times New Roman" panose="02020603050405020304" pitchFamily="18" charset="0"/>
+              </a:rPr>
+              <a:t>Mavlink</a:t>
+            </a:r>
+            <a:endParaRPr lang="zh-CN" altLang="en-US" dirty="0">
+              <a:latin typeface="Times New Roman" panose="02020603050405020304" pitchFamily="18" charset="0"/>
+              <a:cs typeface="Times New Roman" panose="02020603050405020304" pitchFamily="18" charset="0"/>
+            </a:endParaRPr>
+          </a:p>
+        </p:txBody>
+      </p:sp>
+      <p:sp>
+        <p:nvSpPr>
+          <p:cNvPr id="21" name="文本框 20">
+            <a:extLst>
+              <a:ext uri="{FF2B5EF4-FFF2-40B4-BE49-F238E27FC236}">
+                <a16:creationId xmlns:a16="http://schemas.microsoft.com/office/drawing/2014/main" id="{40ECACA4-51F0-454D-A888-6FBDBED03CF9}"/>
+              </a:ext>
+            </a:extLst>
+          </p:cNvPr>
+          <p:cNvSpPr txBox="1"/>
+          <p:nvPr/>
+        </p:nvSpPr>
+        <p:spPr>
+          <a:xfrm>
+            <a:off x="5968907" y="4427906"/>
+            <a:ext cx="1200558" cy="369332"/>
+          </a:xfrm>
+          <a:prstGeom prst="rect">
+            <a:avLst/>
+          </a:prstGeom>
+          <a:noFill/>
+        </p:spPr>
+        <p:txBody>
+          <a:bodyPr wrap="square" rtlCol="0">
+            <a:spAutoFit/>
+          </a:bodyPr>
+          <a:lstStyle/>
+          <a:p>
+            <a:r>
+              <a:rPr lang="en-US" altLang="zh-CN" dirty="0">
+                <a:latin typeface="Times New Roman" panose="02020603050405020304" pitchFamily="18" charset="0"/>
+                <a:cs typeface="Times New Roman" panose="02020603050405020304" pitchFamily="18" charset="0"/>
+              </a:rPr>
+              <a:t>WIFI</a:t>
+            </a:r>
+            <a:endParaRPr lang="zh-CN" altLang="en-US" dirty="0">
+              <a:latin typeface="Times New Roman" panose="02020603050405020304" pitchFamily="18" charset="0"/>
+              <a:cs typeface="Times New Roman" panose="02020603050405020304" pitchFamily="18" charset="0"/>
+            </a:endParaRPr>
+          </a:p>
+        </p:txBody>
+      </p:sp>
+      <p:sp>
+        <p:nvSpPr>
+          <p:cNvPr id="22" name="文本框 21">
+            <a:extLst>
+              <a:ext uri="{FF2B5EF4-FFF2-40B4-BE49-F238E27FC236}">
+                <a16:creationId xmlns:a16="http://schemas.microsoft.com/office/drawing/2014/main" id="{DA47AC4F-6B5A-46B3-A2AE-B50DF3A96A4F}"/>
+              </a:ext>
+            </a:extLst>
+          </p:cNvPr>
+          <p:cNvSpPr txBox="1"/>
+          <p:nvPr/>
+        </p:nvSpPr>
+        <p:spPr>
+          <a:xfrm rot="16200000">
+            <a:off x="3456640" y="1098446"/>
+            <a:ext cx="461665" cy="771312"/>
+          </a:xfrm>
+          <a:prstGeom prst="rect">
+            <a:avLst/>
+          </a:prstGeom>
+          <a:noFill/>
+        </p:spPr>
+        <p:txBody>
+          <a:bodyPr vert="eaVert" wrap="square" rtlCol="0">
+            <a:spAutoFit/>
+          </a:bodyPr>
+          <a:lstStyle/>
+          <a:p>
+            <a:r>
+              <a:rPr lang="en-US" altLang="zh-CN" dirty="0">
+                <a:latin typeface="Times New Roman" panose="02020603050405020304" pitchFamily="18" charset="0"/>
+                <a:cs typeface="Times New Roman" panose="02020603050405020304" pitchFamily="18" charset="0"/>
+              </a:rPr>
+              <a:t>Leader</a:t>
+            </a:r>
+            <a:endParaRPr lang="zh-CN" altLang="en-US" dirty="0">
+              <a:latin typeface="Times New Roman" panose="02020603050405020304" pitchFamily="18" charset="0"/>
+              <a:cs typeface="Times New Roman" panose="02020603050405020304" pitchFamily="18" charset="0"/>
+            </a:endParaRPr>
+          </a:p>
+        </p:txBody>
+      </p:sp>
+      <p:sp>
+        <p:nvSpPr>
+          <p:cNvPr id="23" name="文本框 22">
+            <a:extLst>
+              <a:ext uri="{FF2B5EF4-FFF2-40B4-BE49-F238E27FC236}">
+                <a16:creationId xmlns:a16="http://schemas.microsoft.com/office/drawing/2014/main" id="{26B23C58-BB56-4567-AB83-C135E61E7F41}"/>
+              </a:ext>
+            </a:extLst>
+          </p:cNvPr>
+          <p:cNvSpPr txBox="1"/>
+          <p:nvPr/>
+        </p:nvSpPr>
+        <p:spPr>
+          <a:xfrm rot="16200000">
+            <a:off x="8169925" y="941089"/>
+            <a:ext cx="461665" cy="1079875"/>
+          </a:xfrm>
+          <a:prstGeom prst="rect">
+            <a:avLst/>
+          </a:prstGeom>
+          <a:noFill/>
+        </p:spPr>
+        <p:txBody>
+          <a:bodyPr vert="eaVert" wrap="square" rtlCol="0">
+            <a:spAutoFit/>
+          </a:bodyPr>
+          <a:lstStyle/>
+          <a:p>
+            <a:r>
+              <a:rPr lang="en-US" altLang="zh-CN" dirty="0">
+                <a:latin typeface="Times New Roman" panose="02020603050405020304" pitchFamily="18" charset="0"/>
+                <a:cs typeface="Times New Roman" panose="02020603050405020304" pitchFamily="18" charset="0"/>
+              </a:rPr>
+              <a:t>Follower</a:t>
+            </a:r>
+            <a:endParaRPr lang="zh-CN" altLang="en-US" dirty="0">
+              <a:latin typeface="Times New Roman" panose="02020603050405020304" pitchFamily="18" charset="0"/>
+              <a:cs typeface="Times New Roman" panose="02020603050405020304" pitchFamily="18" charset="0"/>
+            </a:endParaRPr>
+          </a:p>
+        </p:txBody>
+      </p:sp>
+      <p:sp>
+        <p:nvSpPr>
+          <p:cNvPr id="34" name="文本框 33">
+            <a:extLst>
+              <a:ext uri="{FF2B5EF4-FFF2-40B4-BE49-F238E27FC236}">
+                <a16:creationId xmlns:a16="http://schemas.microsoft.com/office/drawing/2014/main" id="{2C6393E4-14B0-4657-8990-D6D7B98AFEE0}"/>
+              </a:ext>
+            </a:extLst>
+          </p:cNvPr>
+          <p:cNvSpPr txBox="1"/>
+          <p:nvPr/>
+        </p:nvSpPr>
+        <p:spPr>
+          <a:xfrm>
+            <a:off x="6893776" y="5070027"/>
+            <a:ext cx="2922984" cy="369332"/>
+          </a:xfrm>
+          <a:prstGeom prst="rect">
+            <a:avLst/>
+          </a:prstGeom>
+          <a:noFill/>
+        </p:spPr>
+        <p:txBody>
+          <a:bodyPr wrap="square" rtlCol="0">
+            <a:spAutoFit/>
+          </a:bodyPr>
+          <a:lstStyle/>
+          <a:p>
+            <a:r>
+              <a:rPr lang="en-US" altLang="zh-CN" dirty="0">
+                <a:latin typeface="Times New Roman" panose="02020603050405020304" pitchFamily="18" charset="0"/>
+                <a:cs typeface="Times New Roman" panose="02020603050405020304" pitchFamily="18" charset="0"/>
+              </a:rPr>
+              <a:t>Ground monitoring</a:t>
+            </a:r>
+            <a:r>
+              <a:rPr lang="zh-CN" altLang="en-US" dirty="0">
+                <a:latin typeface="Times New Roman" panose="02020603050405020304" pitchFamily="18" charset="0"/>
+                <a:cs typeface="Times New Roman" panose="02020603050405020304" pitchFamily="18" charset="0"/>
+              </a:rPr>
+              <a:t> </a:t>
+            </a:r>
+            <a:r>
+              <a:rPr lang="en-US" altLang="zh-CN" dirty="0">
+                <a:latin typeface="Times New Roman" panose="02020603050405020304" pitchFamily="18" charset="0"/>
+                <a:cs typeface="Times New Roman" panose="02020603050405020304" pitchFamily="18" charset="0"/>
+              </a:rPr>
+              <a:t>station</a:t>
+            </a:r>
+            <a:endParaRPr lang="zh-CN" altLang="en-US" dirty="0">
+              <a:latin typeface="Times New Roman" panose="02020603050405020304" pitchFamily="18" charset="0"/>
+              <a:cs typeface="Times New Roman" panose="02020603050405020304" pitchFamily="18" charset="0"/>
+            </a:endParaRPr>
+          </a:p>
+        </p:txBody>
+      </p:sp>
+      <p:pic>
+        <p:nvPicPr>
+          <p:cNvPr id="36" name="图片 35" descr="图片包含 游戏机&#10;&#10;描述已自动生成">
+            <a:extLst>
+              <a:ext uri="{FF2B5EF4-FFF2-40B4-BE49-F238E27FC236}">
+                <a16:creationId xmlns:a16="http://schemas.microsoft.com/office/drawing/2014/main" id="{A583493F-D20A-4C3E-B658-D1AA7AF8852F}"/>
+              </a:ext>
+            </a:extLst>
+          </p:cNvPr>
+          <p:cNvPicPr>
+            <a:picLocks noChangeAspect="1"/>
+          </p:cNvPicPr>
+          <p:nvPr/>
+        </p:nvPicPr>
+        <p:blipFill>
+          <a:blip r:embed="rId2">
+            <a:extLst>
+              <a:ext uri="{28A0092B-C50C-407E-A947-70E740481C1C}">
+                <a14:useLocalDpi xmlns:a14="http://schemas.microsoft.com/office/drawing/2010/main" val="0"/>
+              </a:ext>
+            </a:extLst>
+          </a:blip>
+          <a:stretch>
+            <a:fillRect/>
+          </a:stretch>
+        </p:blipFill>
+        <p:spPr>
+          <a:xfrm>
+            <a:off x="3471160" y="3096146"/>
+            <a:ext cx="746982" cy="746982"/>
+          </a:xfrm>
+          <a:prstGeom prst="rect">
+            <a:avLst/>
+          </a:prstGeom>
+          <a:ln>
+            <a:noFill/>
+          </a:ln>
+          <a:effectLst>
+            <a:outerShdw blurRad="292100" dist="139700" dir="2700000" algn="tl" rotWithShape="0">
+              <a:srgbClr val="333333">
+                <a:alpha val="65000"/>
+              </a:srgbClr>
+            </a:outerShdw>
+          </a:effectLst>
+        </p:spPr>
+      </p:pic>
+      <p:pic>
+        <p:nvPicPr>
+          <p:cNvPr id="37" name="图片 36" descr="图片包含 游戏机, 电子, 电路&#10;&#10;描述已自动生成">
+            <a:extLst>
+              <a:ext uri="{FF2B5EF4-FFF2-40B4-BE49-F238E27FC236}">
+                <a16:creationId xmlns:a16="http://schemas.microsoft.com/office/drawing/2014/main" id="{F0711201-7BAE-4A31-9933-AB601A78C3FC}"/>
+              </a:ext>
+            </a:extLst>
+          </p:cNvPr>
+          <p:cNvPicPr>
+            <a:picLocks noChangeAspect="1"/>
+          </p:cNvPicPr>
+          <p:nvPr/>
+        </p:nvPicPr>
+        <p:blipFill>
+          <a:blip r:embed="rId3">
+            <a:extLst>
+              <a:ext uri="{28A0092B-C50C-407E-A947-70E740481C1C}">
+                <a14:useLocalDpi xmlns:a14="http://schemas.microsoft.com/office/drawing/2010/main" val="0"/>
+              </a:ext>
+            </a:extLst>
+          </a:blip>
+          <a:stretch>
+            <a:fillRect/>
+          </a:stretch>
+        </p:blipFill>
+        <p:spPr>
+          <a:xfrm>
+            <a:off x="3400235" y="2189512"/>
+            <a:ext cx="831559" cy="678413"/>
+          </a:xfrm>
+          <a:prstGeom prst="roundRect">
+            <a:avLst>
+              <a:gd name="adj" fmla="val 8594"/>
+            </a:avLst>
+          </a:prstGeom>
+          <a:solidFill>
+            <a:srgbClr val="FFFFFF">
+              <a:shade val="85000"/>
+            </a:srgbClr>
+          </a:solidFill>
+          <a:ln>
+            <a:noFill/>
+          </a:ln>
+          <a:effectLst>
+            <a:reflection blurRad="12700" stA="38000" endPos="28000" dist="5000" dir="5400000" sy="-100000" algn="bl" rotWithShape="0"/>
+          </a:effectLst>
+        </p:spPr>
+      </p:pic>
+      <p:pic>
+        <p:nvPicPr>
+          <p:cNvPr id="39" name="图片 38">
+            <a:extLst>
+              <a:ext uri="{FF2B5EF4-FFF2-40B4-BE49-F238E27FC236}">
+                <a16:creationId xmlns:a16="http://schemas.microsoft.com/office/drawing/2014/main" id="{6DA0E4FC-8BF2-4229-9E8D-485811A64015}"/>
+              </a:ext>
+            </a:extLst>
+          </p:cNvPr>
+          <p:cNvPicPr>
+            <a:picLocks noChangeAspect="1"/>
+          </p:cNvPicPr>
+          <p:nvPr/>
+        </p:nvPicPr>
+        <p:blipFill rotWithShape="1">
+          <a:blip r:embed="rId5" cstate="print">
+            <a:extLst>
+              <a:ext uri="{BEBA8EAE-BF5A-486C-A8C5-ECC9F3942E4B}">
+                <a14:imgProps xmlns:a14="http://schemas.microsoft.com/office/drawing/2010/main">
+                  <a14:imgLayer r:embed="rId6">
+                    <a14:imgEffect>
+                      <a14:brightnessContrast bright="20000" contrast="40000"/>
+                    </a14:imgEffect>
+                  </a14:imgLayer>
+                </a14:imgProps>
+              </a:ext>
+              <a:ext uri="{28A0092B-C50C-407E-A947-70E740481C1C}">
+                <a14:useLocalDpi xmlns:a14="http://schemas.microsoft.com/office/drawing/2010/main" val="0"/>
+              </a:ext>
+            </a:extLst>
+          </a:blip>
+          <a:srcRect/>
+          <a:stretch/>
+        </p:blipFill>
+        <p:spPr>
+          <a:xfrm>
+            <a:off x="2555575" y="2433902"/>
+            <a:ext cx="519743" cy="1300891"/>
+          </a:xfrm>
+          <a:prstGeom prst="roundRect">
+            <a:avLst>
+              <a:gd name="adj" fmla="val 8594"/>
+            </a:avLst>
+          </a:prstGeom>
+          <a:solidFill>
+            <a:srgbClr val="FFFFFF">
+              <a:shade val="85000"/>
+            </a:srgbClr>
+          </a:solidFill>
+          <a:ln>
+            <a:noFill/>
+          </a:ln>
+          <a:effectLst>
+            <a:reflection blurRad="12700" stA="38000" endPos="28000" dist="5000" dir="5400000" sy="-100000" algn="bl" rotWithShape="0"/>
+          </a:effectLst>
+        </p:spPr>
+      </p:pic>
+      <p:cxnSp>
+        <p:nvCxnSpPr>
+          <p:cNvPr id="12" name="直接箭头连接符 11">
+            <a:extLst>
+              <a:ext uri="{FF2B5EF4-FFF2-40B4-BE49-F238E27FC236}">
+                <a16:creationId xmlns:a16="http://schemas.microsoft.com/office/drawing/2014/main" id="{1DE3C44E-0F66-4AC7-9612-122F1A78797A}"/>
+              </a:ext>
+            </a:extLst>
+          </p:cNvPr>
+          <p:cNvCxnSpPr>
+            <a:cxnSpLocks/>
+          </p:cNvCxnSpPr>
+          <p:nvPr/>
+        </p:nvCxnSpPr>
+        <p:spPr>
+          <a:xfrm flipH="1">
+            <a:off x="3024913" y="3494576"/>
+            <a:ext cx="446247" cy="0"/>
+          </a:xfrm>
+          <a:prstGeom prst="straightConnector1">
+            <a:avLst/>
+          </a:prstGeom>
+          <a:ln w="12700">
+            <a:solidFill>
+              <a:schemeClr val="tx1"/>
+            </a:solidFill>
+            <a:tailEnd type="triangle"/>
+          </a:ln>
+        </p:spPr>
+        <p:style>
+          <a:lnRef idx="1">
+            <a:schemeClr val="accent1"/>
+          </a:lnRef>
+          <a:fillRef idx="0">
+            <a:schemeClr val="accent1"/>
+          </a:fillRef>
+          <a:effectRef idx="0">
+            <a:schemeClr val="accent1"/>
+          </a:effectRef>
+          <a:fontRef idx="minor">
+            <a:schemeClr val="tx1"/>
+          </a:fontRef>
+        </p:style>
+      </p:cxnSp>
+      <p:cxnSp>
+        <p:nvCxnSpPr>
+          <p:cNvPr id="15" name="直接箭头连接符 14">
+            <a:extLst>
+              <a:ext uri="{FF2B5EF4-FFF2-40B4-BE49-F238E27FC236}">
+                <a16:creationId xmlns:a16="http://schemas.microsoft.com/office/drawing/2014/main" id="{5847266E-32EF-4604-950D-017D78D47879}"/>
+              </a:ext>
+            </a:extLst>
+          </p:cNvPr>
+          <p:cNvCxnSpPr>
+            <a:cxnSpLocks/>
+            <a:stCxn id="39" idx="2"/>
+            <a:endCxn id="14" idx="1"/>
+          </p:cNvCxnSpPr>
+          <p:nvPr/>
+        </p:nvCxnSpPr>
+        <p:spPr>
+          <a:xfrm>
+            <a:off x="2815447" y="3734793"/>
+            <a:ext cx="2355782" cy="42213"/>
+          </a:xfrm>
+          <a:prstGeom prst="straightConnector1">
+            <a:avLst/>
+          </a:prstGeom>
+          <a:ln w="12700">
+            <a:solidFill>
+              <a:schemeClr val="tx1"/>
+            </a:solidFill>
+            <a:tailEnd type="triangle"/>
+          </a:ln>
+        </p:spPr>
+        <p:style>
+          <a:lnRef idx="1">
+            <a:schemeClr val="accent1"/>
+          </a:lnRef>
+          <a:fillRef idx="0">
+            <a:schemeClr val="accent1"/>
+          </a:fillRef>
+          <a:effectRef idx="0">
+            <a:schemeClr val="accent1"/>
+          </a:effectRef>
+          <a:fontRef idx="minor">
+            <a:schemeClr val="tx1"/>
+          </a:fontRef>
+        </p:style>
+      </p:cxnSp>
+      <p:cxnSp>
+        <p:nvCxnSpPr>
+          <p:cNvPr id="40" name="直接箭头连接符 39">
+            <a:extLst>
+              <a:ext uri="{FF2B5EF4-FFF2-40B4-BE49-F238E27FC236}">
+                <a16:creationId xmlns:a16="http://schemas.microsoft.com/office/drawing/2014/main" id="{BD83B42F-CCE6-4AD6-85C8-0DFEA76C0203}"/>
+              </a:ext>
+            </a:extLst>
+          </p:cNvPr>
+          <p:cNvCxnSpPr>
+            <a:cxnSpLocks/>
+            <a:stCxn id="37" idx="3"/>
+          </p:cNvCxnSpPr>
+          <p:nvPr/>
+        </p:nvCxnSpPr>
+        <p:spPr>
+          <a:xfrm flipV="1">
+            <a:off x="4231794" y="2528718"/>
+            <a:ext cx="296221" cy="1"/>
+          </a:xfrm>
+          <a:prstGeom prst="straightConnector1">
+            <a:avLst/>
+          </a:prstGeom>
+          <a:ln w="12700">
+            <a:solidFill>
+              <a:schemeClr val="tx1"/>
+            </a:solidFill>
+            <a:tailEnd type="triangle"/>
+          </a:ln>
+        </p:spPr>
+        <p:style>
+          <a:lnRef idx="1">
+            <a:schemeClr val="accent1"/>
+          </a:lnRef>
+          <a:fillRef idx="0">
+            <a:schemeClr val="accent1"/>
+          </a:fillRef>
+          <a:effectRef idx="0">
+            <a:schemeClr val="accent1"/>
+          </a:effectRef>
+          <a:fontRef idx="minor">
+            <a:schemeClr val="tx1"/>
+          </a:fontRef>
+        </p:style>
+      </p:cxnSp>
+      <p:cxnSp>
+        <p:nvCxnSpPr>
+          <p:cNvPr id="43" name="直接箭头连接符 42">
+            <a:extLst>
+              <a:ext uri="{FF2B5EF4-FFF2-40B4-BE49-F238E27FC236}">
+                <a16:creationId xmlns:a16="http://schemas.microsoft.com/office/drawing/2014/main" id="{B2647BED-EB55-4407-921D-C338BCD4943D}"/>
+              </a:ext>
+            </a:extLst>
+          </p:cNvPr>
+          <p:cNvCxnSpPr>
+            <a:cxnSpLocks/>
+            <a:endCxn id="37" idx="2"/>
+          </p:cNvCxnSpPr>
+          <p:nvPr/>
+        </p:nvCxnSpPr>
+        <p:spPr>
+          <a:xfrm flipV="1">
+            <a:off x="3816014" y="2867925"/>
+            <a:ext cx="1" cy="379377"/>
+          </a:xfrm>
+          <a:prstGeom prst="straightConnector1">
+            <a:avLst/>
+          </a:prstGeom>
+          <a:ln w="12700">
+            <a:solidFill>
+              <a:schemeClr val="tx1"/>
+            </a:solidFill>
+            <a:tailEnd type="triangle"/>
+          </a:ln>
+        </p:spPr>
+        <p:style>
+          <a:lnRef idx="1">
+            <a:schemeClr val="accent1"/>
+          </a:lnRef>
+          <a:fillRef idx="0">
+            <a:schemeClr val="accent1"/>
+          </a:fillRef>
+          <a:effectRef idx="0">
+            <a:schemeClr val="accent1"/>
+          </a:effectRef>
+          <a:fontRef idx="minor">
+            <a:schemeClr val="tx1"/>
+          </a:fontRef>
+        </p:style>
+      </p:cxnSp>
+      <p:pic>
+        <p:nvPicPr>
+          <p:cNvPr id="47" name="图片 46">
+            <a:extLst>
+              <a:ext uri="{FF2B5EF4-FFF2-40B4-BE49-F238E27FC236}">
+                <a16:creationId xmlns:a16="http://schemas.microsoft.com/office/drawing/2014/main" id="{08C28A51-C55F-409B-B96F-217D20A25727}"/>
+              </a:ext>
+            </a:extLst>
+          </p:cNvPr>
+          <p:cNvPicPr>
+            <a:picLocks noChangeAspect="1"/>
+          </p:cNvPicPr>
+          <p:nvPr/>
+        </p:nvPicPr>
+        <p:blipFill rotWithShape="1">
+          <a:blip r:embed="rId5" cstate="print">
+            <a:extLst>
+              <a:ext uri="{BEBA8EAE-BF5A-486C-A8C5-ECC9F3942E4B}">
+                <a14:imgProps xmlns:a14="http://schemas.microsoft.com/office/drawing/2010/main">
+                  <a14:imgLayer r:embed="rId6">
+                    <a14:imgEffect>
+                      <a14:brightnessContrast bright="20000" contrast="40000"/>
+                    </a14:imgEffect>
+                  </a14:imgLayer>
+                </a14:imgProps>
+              </a:ext>
+              <a:ext uri="{28A0092B-C50C-407E-A947-70E740481C1C}">
+                <a14:useLocalDpi xmlns:a14="http://schemas.microsoft.com/office/drawing/2010/main" val="0"/>
+              </a:ext>
+            </a:extLst>
+          </a:blip>
+          <a:srcRect/>
+          <a:stretch/>
+        </p:blipFill>
+        <p:spPr>
+          <a:xfrm>
+            <a:off x="7007573" y="1335871"/>
+            <a:ext cx="519743" cy="1300891"/>
+          </a:xfrm>
+          <a:prstGeom prst="roundRect">
+            <a:avLst>
+              <a:gd name="adj" fmla="val 8594"/>
+            </a:avLst>
+          </a:prstGeom>
+          <a:solidFill>
+            <a:srgbClr val="FFFFFF">
+              <a:shade val="85000"/>
+            </a:srgbClr>
+          </a:solidFill>
+          <a:ln>
+            <a:noFill/>
+          </a:ln>
+          <a:effectLst>
+            <a:reflection blurRad="12700" stA="38000" endPos="28000" dist="5000" dir="5400000" sy="-100000" algn="bl" rotWithShape="0"/>
+          </a:effectLst>
+        </p:spPr>
+      </p:pic>
+      <p:pic>
+        <p:nvPicPr>
+          <p:cNvPr id="50" name="图片 49">
+            <a:extLst>
+              <a:ext uri="{FF2B5EF4-FFF2-40B4-BE49-F238E27FC236}">
+                <a16:creationId xmlns:a16="http://schemas.microsoft.com/office/drawing/2014/main" id="{6DA200E1-7806-4137-BA2E-C707DD19972F}"/>
+              </a:ext>
+            </a:extLst>
+          </p:cNvPr>
+          <p:cNvPicPr>
+            <a:picLocks noChangeAspect="1"/>
+          </p:cNvPicPr>
+          <p:nvPr/>
+        </p:nvPicPr>
+        <p:blipFill rotWithShape="1">
+          <a:blip r:embed="rId5" cstate="print">
+            <a:extLst>
+              <a:ext uri="{BEBA8EAE-BF5A-486C-A8C5-ECC9F3942E4B}">
+                <a14:imgProps xmlns:a14="http://schemas.microsoft.com/office/drawing/2010/main">
+                  <a14:imgLayer r:embed="rId6">
+                    <a14:imgEffect>
+                      <a14:brightnessContrast bright="20000" contrast="40000"/>
+                    </a14:imgEffect>
+                  </a14:imgLayer>
+                </a14:imgProps>
+              </a:ext>
+              <a:ext uri="{28A0092B-C50C-407E-A947-70E740481C1C}">
+                <a14:useLocalDpi xmlns:a14="http://schemas.microsoft.com/office/drawing/2010/main" val="0"/>
+              </a:ext>
+            </a:extLst>
+          </a:blip>
+          <a:srcRect/>
+          <a:stretch/>
+        </p:blipFill>
+        <p:spPr>
+          <a:xfrm>
+            <a:off x="8910755" y="2478718"/>
+            <a:ext cx="519743" cy="1300891"/>
+          </a:xfrm>
+          <a:prstGeom prst="roundRect">
+            <a:avLst>
+              <a:gd name="adj" fmla="val 8594"/>
+            </a:avLst>
+          </a:prstGeom>
+          <a:solidFill>
+            <a:srgbClr val="FFFFFF">
+              <a:shade val="85000"/>
+            </a:srgbClr>
+          </a:solidFill>
+          <a:ln>
+            <a:noFill/>
+          </a:ln>
+          <a:effectLst>
+            <a:reflection blurRad="12700" stA="38000" endPos="28000" dist="5000" dir="5400000" sy="-100000" algn="bl" rotWithShape="0"/>
+          </a:effectLst>
+        </p:spPr>
+      </p:pic>
+      <p:cxnSp>
+        <p:nvCxnSpPr>
+          <p:cNvPr id="52" name="直接箭头连接符 51">
+            <a:extLst>
+              <a:ext uri="{FF2B5EF4-FFF2-40B4-BE49-F238E27FC236}">
+                <a16:creationId xmlns:a16="http://schemas.microsoft.com/office/drawing/2014/main" id="{7FB5A355-2F61-487B-BFD9-C9DD1CBF863B}"/>
+              </a:ext>
+            </a:extLst>
+          </p:cNvPr>
+          <p:cNvCxnSpPr>
+            <a:cxnSpLocks/>
+            <a:stCxn id="49" idx="1"/>
+          </p:cNvCxnSpPr>
+          <p:nvPr/>
+        </p:nvCxnSpPr>
+        <p:spPr>
+          <a:xfrm flipH="1">
+            <a:off x="7527316" y="2475575"/>
+            <a:ext cx="232340" cy="0"/>
+          </a:xfrm>
+          <a:prstGeom prst="straightConnector1">
+            <a:avLst/>
+          </a:prstGeom>
+          <a:ln w="12700">
+            <a:solidFill>
+              <a:schemeClr val="tx1"/>
+            </a:solidFill>
+            <a:tailEnd type="triangle"/>
+          </a:ln>
+        </p:spPr>
+        <p:style>
+          <a:lnRef idx="1">
+            <a:schemeClr val="accent1"/>
+          </a:lnRef>
+          <a:fillRef idx="0">
+            <a:schemeClr val="accent1"/>
+          </a:fillRef>
+          <a:effectRef idx="0">
+            <a:schemeClr val="accent1"/>
+          </a:effectRef>
+          <a:fontRef idx="minor">
+            <a:schemeClr val="tx1"/>
+          </a:fontRef>
+        </p:style>
+      </p:cxnSp>
+      <p:cxnSp>
+        <p:nvCxnSpPr>
+          <p:cNvPr id="10" name="直接箭头连接符 9">
+            <a:extLst>
+              <a:ext uri="{FF2B5EF4-FFF2-40B4-BE49-F238E27FC236}">
+                <a16:creationId xmlns:a16="http://schemas.microsoft.com/office/drawing/2014/main" id="{1FCBE7FA-879F-4270-832F-27D1C17CB3B5}"/>
+              </a:ext>
+            </a:extLst>
+          </p:cNvPr>
+          <p:cNvCxnSpPr>
+            <a:cxnSpLocks/>
+          </p:cNvCxnSpPr>
+          <p:nvPr/>
+        </p:nvCxnSpPr>
+        <p:spPr>
+          <a:xfrm>
+            <a:off x="4867842" y="1678938"/>
+            <a:ext cx="2139731" cy="0"/>
+          </a:xfrm>
+          <a:prstGeom prst="straightConnector1">
+            <a:avLst/>
+          </a:prstGeom>
+          <a:ln w="12700">
+            <a:solidFill>
+              <a:schemeClr val="tx1"/>
+            </a:solidFill>
+            <a:tailEnd type="triangle"/>
+          </a:ln>
+        </p:spPr>
+        <p:style>
+          <a:lnRef idx="1">
+            <a:schemeClr val="accent1"/>
+          </a:lnRef>
+          <a:fillRef idx="0">
+            <a:schemeClr val="accent1"/>
+          </a:fillRef>
+          <a:effectRef idx="0">
+            <a:schemeClr val="accent1"/>
+          </a:effectRef>
+          <a:fontRef idx="minor">
+            <a:schemeClr val="tx1"/>
+          </a:fontRef>
+        </p:style>
+      </p:cxnSp>
+      <p:cxnSp>
+        <p:nvCxnSpPr>
+          <p:cNvPr id="51" name="直接箭头连接符 50">
+            <a:extLst>
+              <a:ext uri="{FF2B5EF4-FFF2-40B4-BE49-F238E27FC236}">
+                <a16:creationId xmlns:a16="http://schemas.microsoft.com/office/drawing/2014/main" id="{CEB94709-45E2-4A01-AC97-0A903EC4F446}"/>
+              </a:ext>
+            </a:extLst>
+          </p:cNvPr>
+          <p:cNvCxnSpPr>
+            <a:cxnSpLocks/>
+            <a:stCxn id="48" idx="3"/>
+          </p:cNvCxnSpPr>
+          <p:nvPr/>
+        </p:nvCxnSpPr>
+        <p:spPr>
+          <a:xfrm>
+            <a:off x="8577563" y="3458058"/>
+            <a:ext cx="363132" cy="0"/>
+          </a:xfrm>
+          <a:prstGeom prst="straightConnector1">
+            <a:avLst/>
+          </a:prstGeom>
+          <a:ln w="12700">
+            <a:solidFill>
+              <a:schemeClr val="tx1"/>
+            </a:solidFill>
+            <a:tailEnd type="triangle"/>
+          </a:ln>
+        </p:spPr>
+        <p:style>
+          <a:lnRef idx="1">
+            <a:schemeClr val="accent1"/>
+          </a:lnRef>
+          <a:fillRef idx="0">
+            <a:schemeClr val="accent1"/>
+          </a:fillRef>
+          <a:effectRef idx="0">
+            <a:schemeClr val="accent1"/>
+          </a:effectRef>
+          <a:fontRef idx="minor">
+            <a:schemeClr val="tx1"/>
+          </a:fontRef>
+        </p:style>
+      </p:cxnSp>
+      <p:sp>
+        <p:nvSpPr>
+          <p:cNvPr id="75" name="矩形 74">
+            <a:extLst>
+              <a:ext uri="{FF2B5EF4-FFF2-40B4-BE49-F238E27FC236}">
+                <a16:creationId xmlns:a16="http://schemas.microsoft.com/office/drawing/2014/main" id="{BB2034D2-E847-4F56-A4C3-924D262975D8}"/>
+              </a:ext>
+            </a:extLst>
+          </p:cNvPr>
+          <p:cNvSpPr/>
+          <p:nvPr/>
+        </p:nvSpPr>
+        <p:spPr>
+          <a:xfrm>
+            <a:off x="6913518" y="1188281"/>
+            <a:ext cx="2636821" cy="3477502"/>
+          </a:xfrm>
+          <a:prstGeom prst="rect">
+            <a:avLst/>
+          </a:prstGeom>
+          <a:noFill/>
+          <a:ln>
+            <a:solidFill>
+              <a:schemeClr val="tx1"/>
+            </a:solidFill>
+            <a:prstDash val="dash"/>
+          </a:ln>
+        </p:spPr>
+        <p:style>
+          <a:lnRef idx="2">
+            <a:schemeClr val="accent1">
+              <a:shade val="50000"/>
+            </a:schemeClr>
+          </a:lnRef>
+          <a:fillRef idx="1">
+            <a:schemeClr val="accent1"/>
+          </a:fillRef>
+          <a:effectRef idx="0">
+            <a:schemeClr val="accent1"/>
+          </a:effectRef>
+          <a:fontRef idx="minor">
+            <a:schemeClr val="lt1"/>
+          </a:fontRef>
+        </p:style>
+        <p:txBody>
+          <a:bodyPr rtlCol="0" anchor="ctr"/>
+          <a:lstStyle/>
+          <a:p>
+            <a:pPr algn="ctr"/>
+            <a:endParaRPr lang="zh-CN" altLang="en-US"/>
+          </a:p>
+        </p:txBody>
+      </p:sp>
+      <p:cxnSp>
+        <p:nvCxnSpPr>
+          <p:cNvPr id="89" name="直接箭头连接符 88">
+            <a:extLst>
+              <a:ext uri="{FF2B5EF4-FFF2-40B4-BE49-F238E27FC236}">
+                <a16:creationId xmlns:a16="http://schemas.microsoft.com/office/drawing/2014/main" id="{42D92F8A-4634-4449-BD0B-5E294712AD04}"/>
+              </a:ext>
+            </a:extLst>
+          </p:cNvPr>
+          <p:cNvCxnSpPr>
+            <a:cxnSpLocks/>
+            <a:stCxn id="14" idx="2"/>
+            <a:endCxn id="35" idx="0"/>
+          </p:cNvCxnSpPr>
+          <p:nvPr/>
+        </p:nvCxnSpPr>
+        <p:spPr>
+          <a:xfrm>
+            <a:off x="5959774" y="4432756"/>
+            <a:ext cx="0" cy="352152"/>
+          </a:xfrm>
+          <a:prstGeom prst="straightConnector1">
+            <a:avLst/>
+          </a:prstGeom>
+          <a:ln w="12700">
+            <a:solidFill>
+              <a:schemeClr val="tx1"/>
+            </a:solidFill>
+            <a:tailEnd type="triangle"/>
+          </a:ln>
+        </p:spPr>
+        <p:style>
+          <a:lnRef idx="1">
+            <a:schemeClr val="accent1"/>
+          </a:lnRef>
+          <a:fillRef idx="0">
+            <a:schemeClr val="accent1"/>
+          </a:fillRef>
+          <a:effectRef idx="0">
+            <a:schemeClr val="accent1"/>
+          </a:effectRef>
+          <a:fontRef idx="minor">
+            <a:schemeClr val="tx1"/>
+          </a:fontRef>
+        </p:style>
+      </p:cxnSp>
     </p:spTree>
     <p:extLst>
       <p:ext uri="{BB962C8B-B14F-4D97-AF65-F5344CB8AC3E}">
